--- a/Practica 2/Labview/Figuras de Lissajous.pptx
+++ b/Practica 2/Labview/Figuras de Lissajous.pptx
@@ -6767,8 +6767,8 @@
         </p:blipFill>
         <p:spPr>
           <a:xfrm>
-            <a:off x="9923615" y="2557529"/>
-            <a:ext cx="2268365" cy="1612268"/>
+            <a:off x="7280207" y="1203588"/>
+            <a:ext cx="4603423" cy="3271939"/>
           </a:xfrm>
           <a:prstGeom prst="rect">
             <a:avLst/>
@@ -6789,7 +6789,7 @@
         </p:nvSpPr>
         <p:spPr>
           <a:xfrm>
-            <a:off x="10753166" y="2047341"/>
+            <a:off x="10870211" y="774558"/>
             <a:ext cx="1013419" cy="369332"/>
           </a:xfrm>
           <a:prstGeom prst="rect">
